--- a/poster/EMPG Assignment1 Poster .pptx
+++ b/poster/EMPG Assignment1 Poster .pptx
@@ -6104,8 +6104,8 @@
         </p:blipFill>
         <p:spPr>
           <a:xfrm>
-            <a:off x="13794610" y="12330626"/>
-            <a:ext cx="13894587" cy="7871134"/>
+            <a:off x="15385596" y="12790033"/>
+            <a:ext cx="10289322" cy="7323118"/>
           </a:xfrm>
           <a:prstGeom prst="rect">
             <a:avLst/>
@@ -6114,10 +6114,10 @@
       </p:pic>
       <p:pic>
         <p:nvPicPr>
-          <p:cNvPr id="15" name="Picture 14" descr="Diagram&#10;&#10;Description automatically generated">
+          <p:cNvPr id="4" name="Picture 3" descr="Diagram&#10;&#10;Description automatically generated">
             <a:extLst>
               <a:ext uri="{FF2B5EF4-FFF2-40B4-BE49-F238E27FC236}">
-                <a16:creationId xmlns:a16="http://schemas.microsoft.com/office/drawing/2014/main" id="{EF68BEF5-CE5A-F343-C4D4-2CEA56B5A7D0}"/>
+                <a16:creationId xmlns:a16="http://schemas.microsoft.com/office/drawing/2014/main" id="{7C399425-71EC-7903-C2C7-504C8E768049}"/>
               </a:ext>
             </a:extLst>
           </p:cNvPr>
@@ -6135,7 +6135,7 @@
         <p:spPr>
           <a:xfrm>
             <a:off x="13764332" y="3701247"/>
-            <a:ext cx="13894587" cy="8629379"/>
+            <a:ext cx="13894587" cy="8992632"/>
           </a:xfrm>
           <a:prstGeom prst="rect">
             <a:avLst/>
